--- a/NG Noughts and Crosses Frontend Workshop.pptx
+++ b/NG Noughts and Crosses Frontend Workshop.pptx
@@ -5008,13 +5008,13 @@
         </p:nvSpPr>
         <p:spPr>
           <a:xfrm>
-            <a:off x="838200" y="1825625"/>
-            <a:ext cx="10515600" cy="3446463"/>
+            <a:off x="838200" y="1459863"/>
+            <a:ext cx="10515600" cy="3967754"/>
           </a:xfrm>
         </p:spPr>
         <p:txBody>
           <a:bodyPr>
-            <a:normAutofit lnSpcReduction="10000"/>
+            <a:noAutofit/>
           </a:bodyPr>
           <a:lstStyle/>
           <a:p>
@@ -5022,15 +5022,15 @@
               <a:buNone/>
             </a:pPr>
             <a:r>
-              <a:rPr lang="en-GB" dirty="0" smtClean="0"/>
+              <a:rPr lang="en-GB" sz="2400" dirty="0" smtClean="0"/>
               <a:t>We will develop </a:t>
             </a:r>
             <a:r>
-              <a:rPr lang="en-GB" dirty="0"/>
+              <a:rPr lang="en-GB" sz="2400" dirty="0"/>
               <a:t>a browser based </a:t>
             </a:r>
             <a:r>
-              <a:rPr lang="en-GB" dirty="0" smtClean="0"/>
+              <a:rPr lang="en-GB" sz="2400" dirty="0" smtClean="0"/>
               <a:t>Noughts and Crosses game over 8 exercises. </a:t>
             </a:r>
           </a:p>
@@ -5038,26 +5038,26 @@
             <a:pPr marL="0" indent="0">
               <a:buNone/>
             </a:pPr>
-            <a:endParaRPr lang="en-GB" sz="2000" dirty="0"/>
+            <a:endParaRPr lang="en-GB" sz="2400" dirty="0"/>
           </a:p>
           <a:p>
             <a:pPr marL="0" indent="0">
               <a:buNone/>
             </a:pPr>
             <a:r>
-              <a:rPr lang="en-GB" dirty="0" smtClean="0"/>
+              <a:rPr lang="en-GB" sz="2400" dirty="0" smtClean="0"/>
               <a:t>The </a:t>
             </a:r>
             <a:r>
-              <a:rPr lang="en-GB" dirty="0"/>
+              <a:rPr lang="en-GB" sz="2400" dirty="0"/>
               <a:t>starting assets can be found at and can be downloaded </a:t>
             </a:r>
             <a:r>
-              <a:rPr lang="en-GB" dirty="0" smtClean="0"/>
+              <a:rPr lang="en-GB" sz="2400" dirty="0" smtClean="0"/>
               <a:t>from: </a:t>
             </a:r>
             <a:r>
-              <a:rPr lang="en-GB" dirty="0">
+              <a:rPr lang="en-GB" sz="2400" dirty="0">
                 <a:solidFill>
                   <a:srgbClr val="0070C0"/>
                 </a:solidFill>
@@ -5065,14 +5065,14 @@
               <a:t>https://</a:t>
             </a:r>
             <a:r>
-              <a:rPr lang="en-GB" dirty="0" smtClean="0">
+              <a:rPr lang="en-GB" sz="2400" dirty="0" smtClean="0">
                 <a:solidFill>
                   <a:srgbClr val="0070C0"/>
                 </a:solidFill>
               </a:rPr>
               <a:t>github.com/NGWorkshopMaterials?tab=repositories</a:t>
             </a:r>
-            <a:endParaRPr lang="en-GB" dirty="0" smtClean="0">
+            <a:endParaRPr lang="en-GB" sz="2400" dirty="0" smtClean="0">
               <a:solidFill>
                 <a:srgbClr val="0070C0"/>
               </a:solidFill>
@@ -5082,29 +5082,70 @@
             <a:pPr marL="0" indent="0">
               <a:buNone/>
             </a:pPr>
-            <a:endParaRPr lang="en-GB" sz="2000" dirty="0"/>
+            <a:endParaRPr lang="en-GB" sz="2400" dirty="0" smtClean="0"/>
           </a:p>
           <a:p>
             <a:pPr marL="0" indent="0">
               <a:buNone/>
             </a:pPr>
             <a:r>
-              <a:rPr lang="en-GB" dirty="0"/>
+              <a:rPr lang="en-GB" sz="2400" dirty="0" smtClean="0"/>
+              <a:t>We can use the online code editor </a:t>
+            </a:r>
+            <a:r>
+              <a:rPr lang="en-GB" sz="2400" dirty="0" err="1" smtClean="0"/>
+              <a:t>jsfiddle</a:t>
+            </a:r>
+            <a:r>
+              <a:rPr lang="en-GB" sz="2400" dirty="0" smtClean="0"/>
+              <a:t>:</a:t>
+            </a:r>
+          </a:p>
+          <a:p>
+            <a:pPr marL="0" indent="0">
+              <a:buNone/>
+            </a:pPr>
+            <a:r>
+              <a:rPr lang="en-GB" sz="2400" dirty="0" err="1">
+                <a:hlinkClick r:id="rId2"/>
+              </a:rPr>
+              <a:t>JSFiddle</a:t>
+            </a:r>
+            <a:r>
+              <a:rPr lang="en-GB" sz="2400" dirty="0">
+                <a:hlinkClick r:id="rId2"/>
+              </a:rPr>
+              <a:t> - Code Playground</a:t>
+            </a:r>
+            <a:endParaRPr lang="en-GB" sz="2400" dirty="0"/>
+          </a:p>
+          <a:p>
+            <a:pPr marL="0" indent="0">
+              <a:buNone/>
+            </a:pPr>
+            <a:endParaRPr lang="en-GB" sz="2400" dirty="0"/>
+          </a:p>
+          <a:p>
+            <a:pPr marL="0" indent="0">
+              <a:buNone/>
+            </a:pPr>
+            <a:r>
+              <a:rPr lang="en-GB" sz="2400" dirty="0"/>
               <a:t>In the download folder there are three different files. A HTML, a </a:t>
             </a:r>
             <a:r>
-              <a:rPr lang="en-GB" dirty="0" smtClean="0"/>
+              <a:rPr lang="en-GB" sz="2400" dirty="0" smtClean="0"/>
               <a:t>JavaScript </a:t>
             </a:r>
             <a:r>
-              <a:rPr lang="en-GB" dirty="0"/>
+              <a:rPr lang="en-GB" sz="2400" dirty="0"/>
               <a:t>and a CSS file</a:t>
             </a:r>
             <a:r>
-              <a:rPr lang="en-GB" dirty="0" smtClean="0"/>
+              <a:rPr lang="en-GB" sz="2400" dirty="0" smtClean="0"/>
               <a:t>:</a:t>
             </a:r>
-            <a:endParaRPr lang="en-GB" dirty="0"/>
+            <a:endParaRPr lang="en-GB" sz="2400" dirty="0"/>
           </a:p>
         </p:txBody>
       </p:sp>
@@ -5115,14 +5156,14 @@
           <p:nvPr/>
         </p:nvPicPr>
         <p:blipFill>
-          <a:blip r:embed="rId2"/>
+          <a:blip r:embed="rId3"/>
           <a:stretch>
             <a:fillRect/>
           </a:stretch>
         </p:blipFill>
         <p:spPr>
           <a:xfrm>
-            <a:off x="2643187" y="5110565"/>
+            <a:off x="2643187" y="5606948"/>
             <a:ext cx="6905625" cy="875665"/>
           </a:xfrm>
           <a:prstGeom prst="rect">
